--- a/Doc/timing_diagram.pptx
+++ b/Doc/timing_diagram.pptx
@@ -104,6 +104,11 @@
       </a:defRPr>
     </a:lvl9pPr>
   </p:defaultTextStyle>
+  <p:extLst>
+    <p:ext uri="{EFAFB233-063F-42B5-8137-9DF3F51BA10A}">
+      <p15:sldGuideLst xmlns:p15="http://schemas.microsoft.com/office/powerpoint/2012/main"/>
+    </p:ext>
+  </p:extLst>
 </p:presentation>
 </file>
 
@@ -256,7 +261,7 @@
           <a:p>
             <a:fld id="{EF64F1F6-0A61-4CCE-B468-D7E4CC3F054D}" type="datetimeFigureOut">
               <a:rPr lang="en-AU" smtClean="0"/>
-              <a:t>8/04/2021</a:t>
+              <a:t>10/04/2021</a:t>
             </a:fld>
             <a:endParaRPr lang="en-AU"/>
           </a:p>
@@ -456,7 +461,7 @@
           <a:p>
             <a:fld id="{EF64F1F6-0A61-4CCE-B468-D7E4CC3F054D}" type="datetimeFigureOut">
               <a:rPr lang="en-AU" smtClean="0"/>
-              <a:t>8/04/2021</a:t>
+              <a:t>10/04/2021</a:t>
             </a:fld>
             <a:endParaRPr lang="en-AU"/>
           </a:p>
@@ -666,7 +671,7 @@
           <a:p>
             <a:fld id="{EF64F1F6-0A61-4CCE-B468-D7E4CC3F054D}" type="datetimeFigureOut">
               <a:rPr lang="en-AU" smtClean="0"/>
-              <a:t>8/04/2021</a:t>
+              <a:t>10/04/2021</a:t>
             </a:fld>
             <a:endParaRPr lang="en-AU"/>
           </a:p>
@@ -866,7 +871,7 @@
           <a:p>
             <a:fld id="{EF64F1F6-0A61-4CCE-B468-D7E4CC3F054D}" type="datetimeFigureOut">
               <a:rPr lang="en-AU" smtClean="0"/>
-              <a:t>8/04/2021</a:t>
+              <a:t>10/04/2021</a:t>
             </a:fld>
             <a:endParaRPr lang="en-AU"/>
           </a:p>
@@ -1142,7 +1147,7 @@
           <a:p>
             <a:fld id="{EF64F1F6-0A61-4CCE-B468-D7E4CC3F054D}" type="datetimeFigureOut">
               <a:rPr lang="en-AU" smtClean="0"/>
-              <a:t>8/04/2021</a:t>
+              <a:t>10/04/2021</a:t>
             </a:fld>
             <a:endParaRPr lang="en-AU"/>
           </a:p>
@@ -1410,7 +1415,7 @@
           <a:p>
             <a:fld id="{EF64F1F6-0A61-4CCE-B468-D7E4CC3F054D}" type="datetimeFigureOut">
               <a:rPr lang="en-AU" smtClean="0"/>
-              <a:t>8/04/2021</a:t>
+              <a:t>10/04/2021</a:t>
             </a:fld>
             <a:endParaRPr lang="en-AU"/>
           </a:p>
@@ -1825,7 +1830,7 @@
           <a:p>
             <a:fld id="{EF64F1F6-0A61-4CCE-B468-D7E4CC3F054D}" type="datetimeFigureOut">
               <a:rPr lang="en-AU" smtClean="0"/>
-              <a:t>8/04/2021</a:t>
+              <a:t>10/04/2021</a:t>
             </a:fld>
             <a:endParaRPr lang="en-AU"/>
           </a:p>
@@ -1967,7 +1972,7 @@
           <a:p>
             <a:fld id="{EF64F1F6-0A61-4CCE-B468-D7E4CC3F054D}" type="datetimeFigureOut">
               <a:rPr lang="en-AU" smtClean="0"/>
-              <a:t>8/04/2021</a:t>
+              <a:t>10/04/2021</a:t>
             </a:fld>
             <a:endParaRPr lang="en-AU"/>
           </a:p>
@@ -2080,7 +2085,7 @@
           <a:p>
             <a:fld id="{EF64F1F6-0A61-4CCE-B468-D7E4CC3F054D}" type="datetimeFigureOut">
               <a:rPr lang="en-AU" smtClean="0"/>
-              <a:t>8/04/2021</a:t>
+              <a:t>10/04/2021</a:t>
             </a:fld>
             <a:endParaRPr lang="en-AU"/>
           </a:p>
@@ -2393,7 +2398,7 @@
           <a:p>
             <a:fld id="{EF64F1F6-0A61-4CCE-B468-D7E4CC3F054D}" type="datetimeFigureOut">
               <a:rPr lang="en-AU" smtClean="0"/>
-              <a:t>8/04/2021</a:t>
+              <a:t>10/04/2021</a:t>
             </a:fld>
             <a:endParaRPr lang="en-AU"/>
           </a:p>
@@ -2682,7 +2687,7 @@
           <a:p>
             <a:fld id="{EF64F1F6-0A61-4CCE-B468-D7E4CC3F054D}" type="datetimeFigureOut">
               <a:rPr lang="en-AU" smtClean="0"/>
-              <a:t>8/04/2021</a:t>
+              <a:t>10/04/2021</a:t>
             </a:fld>
             <a:endParaRPr lang="en-AU"/>
           </a:p>
@@ -2925,7 +2930,7 @@
           <a:p>
             <a:fld id="{EF64F1F6-0A61-4CCE-B468-D7E4CC3F054D}" type="datetimeFigureOut">
               <a:rPr lang="en-AU" smtClean="0"/>
-              <a:t>8/04/2021</a:t>
+              <a:t>10/04/2021</a:t>
             </a:fld>
             <a:endParaRPr lang="en-AU"/>
           </a:p>
@@ -3564,10 +3569,10 @@
         </p:nvGrpSpPr>
         <p:grpSpPr>
           <a:xfrm>
-            <a:off x="3665265" y="695879"/>
-            <a:ext cx="4358746" cy="2967867"/>
-            <a:chOff x="1535598" y="678181"/>
-            <a:chExt cx="4358746" cy="2967867"/>
+            <a:off x="3665265" y="855780"/>
+            <a:ext cx="3842635" cy="2807966"/>
+            <a:chOff x="1535598" y="838082"/>
+            <a:chExt cx="3842635" cy="2807966"/>
           </a:xfrm>
         </p:grpSpPr>
         <p:cxnSp>
@@ -3581,13 +3586,12 @@
             </p:cNvPr>
             <p:cNvCxnSpPr>
               <a:cxnSpLocks/>
-              <a:stCxn id="22" idx="2"/>
             </p:cNvCxnSpPr>
             <p:nvPr/>
           </p:nvCxnSpPr>
           <p:spPr>
             <a:xfrm>
-              <a:off x="5156036" y="932097"/>
+              <a:off x="5151140" y="931483"/>
               <a:ext cx="0" cy="1250664"/>
             </a:xfrm>
             <a:prstGeom prst="straightConnector1">
@@ -3629,10 +3633,10 @@
           </p:nvGrpSpPr>
           <p:grpSpPr>
             <a:xfrm>
-              <a:off x="1535598" y="678181"/>
-              <a:ext cx="4358746" cy="2967867"/>
-              <a:chOff x="1535598" y="678181"/>
-              <a:chExt cx="4358746" cy="2967867"/>
+              <a:off x="1535598" y="838082"/>
+              <a:ext cx="3842635" cy="2807966"/>
+              <a:chOff x="1535598" y="838082"/>
+              <a:chExt cx="3842635" cy="2807966"/>
             </a:xfrm>
           </p:grpSpPr>
           <p:sp>
@@ -3969,7 +3973,7 @@
             </p:nvSpPr>
             <p:spPr>
               <a:xfrm>
-                <a:off x="3752577" y="1091134"/>
+                <a:off x="3542730" y="838082"/>
                 <a:ext cx="723275" cy="253916"/>
               </a:xfrm>
               <a:prstGeom prst="rect">
@@ -4008,7 +4012,7 @@
             </p:nvSpPr>
             <p:spPr>
               <a:xfrm>
-                <a:off x="4417728" y="678181"/>
+                <a:off x="3130435" y="1063195"/>
                 <a:ext cx="1476616" cy="253916"/>
               </a:xfrm>
               <a:prstGeom prst="rect">
@@ -4265,7 +4269,7 @@
         </p:nvSpPr>
         <p:spPr>
           <a:xfrm>
-            <a:off x="6944102" y="514476"/>
+            <a:off x="6944102" y="654033"/>
             <a:ext cx="683200" cy="253916"/>
           </a:xfrm>
           <a:prstGeom prst="rect">
@@ -4695,7 +4699,7 @@
         </p:nvSpPr>
         <p:spPr>
           <a:xfrm>
-            <a:off x="6847921" y="367729"/>
+            <a:off x="6891116" y="508382"/>
             <a:ext cx="779381" cy="253916"/>
           </a:xfrm>
           <a:prstGeom prst="rect">
@@ -4775,50 +4779,8 @@
         </p:nvCxnSpPr>
         <p:spPr>
           <a:xfrm flipV="1">
-            <a:off x="4477610" y="1235790"/>
-            <a:ext cx="1404634" cy="339338"/>
-          </a:xfrm>
-          <a:prstGeom prst="straightConnector1">
-            <a:avLst/>
-          </a:prstGeom>
-          <a:ln>
-            <a:tailEnd type="triangle"/>
-          </a:ln>
-        </p:spPr>
-        <p:style>
-          <a:lnRef idx="1">
-            <a:schemeClr val="dk1"/>
-          </a:lnRef>
-          <a:fillRef idx="0">
-            <a:schemeClr val="dk1"/>
-          </a:fillRef>
-          <a:effectRef idx="0">
-            <a:schemeClr val="dk1"/>
-          </a:effectRef>
-          <a:fontRef idx="minor">
-            <a:schemeClr val="tx1"/>
-          </a:fontRef>
-        </p:style>
-      </p:cxnSp>
-      <p:cxnSp>
-        <p:nvCxnSpPr>
-          <p:cNvPr id="75" name="Straight Arrow Connector 74">
-            <a:extLst>
-              <a:ext uri="{FF2B5EF4-FFF2-40B4-BE49-F238E27FC236}">
-                <a16:creationId xmlns:a16="http://schemas.microsoft.com/office/drawing/2014/main" id="{A7D2B7B8-0341-4650-83A3-30A5D2FF76EB}"/>
-              </a:ext>
-            </a:extLst>
-          </p:cNvPr>
-          <p:cNvCxnSpPr>
-            <a:cxnSpLocks/>
-            <a:endCxn id="22" idx="1"/>
-          </p:cNvCxnSpPr>
-          <p:nvPr/>
-        </p:nvCxnSpPr>
-        <p:spPr>
-          <a:xfrm flipV="1">
-            <a:off x="6236647" y="822837"/>
-            <a:ext cx="310748" cy="339088"/>
+            <a:off x="4308114" y="982738"/>
+            <a:ext cx="1364283" cy="543781"/>
           </a:xfrm>
           <a:prstGeom prst="straightConnector1">
             <a:avLst/>
@@ -4853,14 +4815,13 @@
           </p:cNvPr>
           <p:cNvCxnSpPr>
             <a:cxnSpLocks/>
-            <a:stCxn id="22" idx="3"/>
           </p:cNvCxnSpPr>
           <p:nvPr/>
         </p:nvCxnSpPr>
         <p:spPr>
           <a:xfrm>
-            <a:off x="8024011" y="822837"/>
-            <a:ext cx="712934" cy="1890866"/>
+            <a:off x="6682614" y="1223990"/>
+            <a:ext cx="2037040" cy="1489713"/>
           </a:xfrm>
           <a:prstGeom prst="straightConnector1">
             <a:avLst/>
